--- a/Signatures forgery verification - presentation.pptx
+++ b/Signatures forgery verification - presentation.pptx
@@ -4,6 +4,9 @@
   <p:sldMasterIdLst>
     <p:sldMasterId id="2147483648" r:id="rId1"/>
   </p:sldMasterIdLst>
+  <p:notesMasterIdLst>
+    <p:notesMasterId r:id="rId9"/>
+  </p:notesMasterIdLst>
   <p:sldIdLst>
     <p:sldId id="264" r:id="rId2"/>
     <p:sldId id="257" r:id="rId3"/>
@@ -118,6 +121,470 @@
 </p:presentation>
 </file>
 
+<file path=ppt/notesMasters/notesMaster1.xml><?xml version="1.0" encoding="utf-8"?>
+<p:notesMaster xmlns:a="http://schemas.openxmlformats.org/drawingml/2006/main" xmlns:r="http://schemas.openxmlformats.org/officeDocument/2006/relationships" xmlns:p="http://schemas.openxmlformats.org/presentationml/2006/main">
+  <p:cSld>
+    <p:bg>
+      <p:bgRef idx="1001">
+        <a:schemeClr val="bg1"/>
+      </p:bgRef>
+    </p:bg>
+    <p:spTree>
+      <p:nvGrpSpPr>
+        <p:cNvPr id="1" name=""/>
+        <p:cNvGrpSpPr/>
+        <p:nvPr/>
+      </p:nvGrpSpPr>
+      <p:grpSpPr>
+        <a:xfrm>
+          <a:off x="0" y="0"/>
+          <a:ext cx="0" cy="0"/>
+          <a:chOff x="0" y="0"/>
+          <a:chExt cx="0" cy="0"/>
+        </a:xfrm>
+      </p:grpSpPr>
+      <p:sp>
+        <p:nvSpPr>
+          <p:cNvPr id="2" name="Header Placeholder 1"/>
+          <p:cNvSpPr>
+            <a:spLocks noGrp="1"/>
+          </p:cNvSpPr>
+          <p:nvPr>
+            <p:ph type="hdr" sz="quarter"/>
+          </p:nvPr>
+        </p:nvSpPr>
+        <p:spPr>
+          <a:xfrm>
+            <a:off x="0" y="0"/>
+            <a:ext cx="2971800" cy="458788"/>
+          </a:xfrm>
+          <a:prstGeom prst="rect">
+            <a:avLst/>
+          </a:prstGeom>
+        </p:spPr>
+        <p:txBody>
+          <a:bodyPr vert="horz" lIns="91440" tIns="45720" rIns="91440" bIns="45720" rtlCol="0"/>
+          <a:lstStyle>
+            <a:lvl1pPr algn="l">
+              <a:defRPr sz="1200"/>
+            </a:lvl1pPr>
+          </a:lstStyle>
+          <a:p>
+            <a:endParaRPr lang="en-IL"/>
+          </a:p>
+        </p:txBody>
+      </p:sp>
+      <p:sp>
+        <p:nvSpPr>
+          <p:cNvPr id="3" name="Date Placeholder 2"/>
+          <p:cNvSpPr>
+            <a:spLocks noGrp="1"/>
+          </p:cNvSpPr>
+          <p:nvPr>
+            <p:ph type="dt" idx="1"/>
+          </p:nvPr>
+        </p:nvSpPr>
+        <p:spPr>
+          <a:xfrm>
+            <a:off x="3884613" y="0"/>
+            <a:ext cx="2971800" cy="458788"/>
+          </a:xfrm>
+          <a:prstGeom prst="rect">
+            <a:avLst/>
+          </a:prstGeom>
+        </p:spPr>
+        <p:txBody>
+          <a:bodyPr vert="horz" lIns="91440" tIns="45720" rIns="91440" bIns="45720" rtlCol="0"/>
+          <a:lstStyle>
+            <a:lvl1pPr algn="r">
+              <a:defRPr sz="1200"/>
+            </a:lvl1pPr>
+          </a:lstStyle>
+          <a:p>
+            <a:fld id="{9F1AB21A-EBE2-44A0-B8C3-EB92223AD2DF}" type="datetimeFigureOut">
+              <a:rPr lang="en-IL" smtClean="0"/>
+              <a:t>14/12/2021</a:t>
+            </a:fld>
+            <a:endParaRPr lang="en-IL"/>
+          </a:p>
+        </p:txBody>
+      </p:sp>
+      <p:sp>
+        <p:nvSpPr>
+          <p:cNvPr id="4" name="Slide Image Placeholder 3"/>
+          <p:cNvSpPr>
+            <a:spLocks noGrp="1" noRot="1" noChangeAspect="1"/>
+          </p:cNvSpPr>
+          <p:nvPr>
+            <p:ph type="sldImg" idx="2"/>
+          </p:nvPr>
+        </p:nvSpPr>
+        <p:spPr>
+          <a:xfrm>
+            <a:off x="685800" y="1143000"/>
+            <a:ext cx="5486400" cy="3086100"/>
+          </a:xfrm>
+          <a:prstGeom prst="rect">
+            <a:avLst/>
+          </a:prstGeom>
+          <a:noFill/>
+          <a:ln w="12700">
+            <a:solidFill>
+              <a:prstClr val="black"/>
+            </a:solidFill>
+          </a:ln>
+        </p:spPr>
+        <p:txBody>
+          <a:bodyPr vert="horz" lIns="91440" tIns="45720" rIns="91440" bIns="45720" rtlCol="0" anchor="ctr"/>
+          <a:lstStyle/>
+          <a:p>
+            <a:endParaRPr lang="en-IL"/>
+          </a:p>
+        </p:txBody>
+      </p:sp>
+      <p:sp>
+        <p:nvSpPr>
+          <p:cNvPr id="5" name="Notes Placeholder 4"/>
+          <p:cNvSpPr>
+            <a:spLocks noGrp="1"/>
+          </p:cNvSpPr>
+          <p:nvPr>
+            <p:ph type="body" sz="quarter" idx="3"/>
+          </p:nvPr>
+        </p:nvSpPr>
+        <p:spPr>
+          <a:xfrm>
+            <a:off x="685800" y="4400550"/>
+            <a:ext cx="5486400" cy="3600450"/>
+          </a:xfrm>
+          <a:prstGeom prst="rect">
+            <a:avLst/>
+          </a:prstGeom>
+        </p:spPr>
+        <p:txBody>
+          <a:bodyPr vert="horz" lIns="91440" tIns="45720" rIns="91440" bIns="45720" rtlCol="0"/>
+          <a:lstStyle/>
+          <a:p>
+            <a:pPr lvl="0"/>
+            <a:r>
+              <a:rPr lang="en-US"/>
+              <a:t>Click to edit Master text styles</a:t>
+            </a:r>
+          </a:p>
+          <a:p>
+            <a:pPr lvl="1"/>
+            <a:r>
+              <a:rPr lang="en-US"/>
+              <a:t>Second level</a:t>
+            </a:r>
+          </a:p>
+          <a:p>
+            <a:pPr lvl="2"/>
+            <a:r>
+              <a:rPr lang="en-US"/>
+              <a:t>Third level</a:t>
+            </a:r>
+          </a:p>
+          <a:p>
+            <a:pPr lvl="3"/>
+            <a:r>
+              <a:rPr lang="en-US"/>
+              <a:t>Fourth level</a:t>
+            </a:r>
+          </a:p>
+          <a:p>
+            <a:pPr lvl="4"/>
+            <a:r>
+              <a:rPr lang="en-US"/>
+              <a:t>Fifth level</a:t>
+            </a:r>
+            <a:endParaRPr lang="en-IL"/>
+          </a:p>
+        </p:txBody>
+      </p:sp>
+      <p:sp>
+        <p:nvSpPr>
+          <p:cNvPr id="6" name="Footer Placeholder 5"/>
+          <p:cNvSpPr>
+            <a:spLocks noGrp="1"/>
+          </p:cNvSpPr>
+          <p:nvPr>
+            <p:ph type="ftr" sz="quarter" idx="4"/>
+          </p:nvPr>
+        </p:nvSpPr>
+        <p:spPr>
+          <a:xfrm>
+            <a:off x="0" y="8685213"/>
+            <a:ext cx="2971800" cy="458787"/>
+          </a:xfrm>
+          <a:prstGeom prst="rect">
+            <a:avLst/>
+          </a:prstGeom>
+        </p:spPr>
+        <p:txBody>
+          <a:bodyPr vert="horz" lIns="91440" tIns="45720" rIns="91440" bIns="45720" rtlCol="0" anchor="b"/>
+          <a:lstStyle>
+            <a:lvl1pPr algn="l">
+              <a:defRPr sz="1200"/>
+            </a:lvl1pPr>
+          </a:lstStyle>
+          <a:p>
+            <a:endParaRPr lang="en-IL"/>
+          </a:p>
+        </p:txBody>
+      </p:sp>
+      <p:sp>
+        <p:nvSpPr>
+          <p:cNvPr id="7" name="Slide Number Placeholder 6"/>
+          <p:cNvSpPr>
+            <a:spLocks noGrp="1"/>
+          </p:cNvSpPr>
+          <p:nvPr>
+            <p:ph type="sldNum" sz="quarter" idx="5"/>
+          </p:nvPr>
+        </p:nvSpPr>
+        <p:spPr>
+          <a:xfrm>
+            <a:off x="3884613" y="8685213"/>
+            <a:ext cx="2971800" cy="458787"/>
+          </a:xfrm>
+          <a:prstGeom prst="rect">
+            <a:avLst/>
+          </a:prstGeom>
+        </p:spPr>
+        <p:txBody>
+          <a:bodyPr vert="horz" lIns="91440" tIns="45720" rIns="91440" bIns="45720" rtlCol="0" anchor="b"/>
+          <a:lstStyle>
+            <a:lvl1pPr algn="r">
+              <a:defRPr sz="1200"/>
+            </a:lvl1pPr>
+          </a:lstStyle>
+          <a:p>
+            <a:fld id="{15AE11E2-303B-4A99-A06F-B02CAF0F395E}" type="slidenum">
+              <a:rPr lang="en-IL" smtClean="0"/>
+              <a:t>‹#›</a:t>
+            </a:fld>
+            <a:endParaRPr lang="en-IL"/>
+          </a:p>
+        </p:txBody>
+      </p:sp>
+    </p:spTree>
+    <p:extLst>
+      <p:ext uri="{BB962C8B-B14F-4D97-AF65-F5344CB8AC3E}">
+        <p14:creationId xmlns:p14="http://schemas.microsoft.com/office/powerpoint/2010/main" val="1896122392"/>
+      </p:ext>
+    </p:extLst>
+  </p:cSld>
+  <p:clrMap bg1="lt1" tx1="dk1" bg2="lt2" tx2="dk2" accent1="accent1" accent2="accent2" accent3="accent3" accent4="accent4" accent5="accent5" accent6="accent6" hlink="hlink" folHlink="folHlink"/>
+  <p:notesStyle>
+    <a:lvl1pPr marL="0" algn="l" defTabSz="914400" rtl="0" eaLnBrk="1" latinLnBrk="0" hangingPunct="1">
+      <a:defRPr sz="1200" kern="1200">
+        <a:solidFill>
+          <a:schemeClr val="tx1"/>
+        </a:solidFill>
+        <a:latin typeface="+mn-lt"/>
+        <a:ea typeface="+mn-ea"/>
+        <a:cs typeface="+mn-cs"/>
+      </a:defRPr>
+    </a:lvl1pPr>
+    <a:lvl2pPr marL="457200" algn="l" defTabSz="914400" rtl="0" eaLnBrk="1" latinLnBrk="0" hangingPunct="1">
+      <a:defRPr sz="1200" kern="1200">
+        <a:solidFill>
+          <a:schemeClr val="tx1"/>
+        </a:solidFill>
+        <a:latin typeface="+mn-lt"/>
+        <a:ea typeface="+mn-ea"/>
+        <a:cs typeface="+mn-cs"/>
+      </a:defRPr>
+    </a:lvl2pPr>
+    <a:lvl3pPr marL="914400" algn="l" defTabSz="914400" rtl="0" eaLnBrk="1" latinLnBrk="0" hangingPunct="1">
+      <a:defRPr sz="1200" kern="1200">
+        <a:solidFill>
+          <a:schemeClr val="tx1"/>
+        </a:solidFill>
+        <a:latin typeface="+mn-lt"/>
+        <a:ea typeface="+mn-ea"/>
+        <a:cs typeface="+mn-cs"/>
+      </a:defRPr>
+    </a:lvl3pPr>
+    <a:lvl4pPr marL="1371600" algn="l" defTabSz="914400" rtl="0" eaLnBrk="1" latinLnBrk="0" hangingPunct="1">
+      <a:defRPr sz="1200" kern="1200">
+        <a:solidFill>
+          <a:schemeClr val="tx1"/>
+        </a:solidFill>
+        <a:latin typeface="+mn-lt"/>
+        <a:ea typeface="+mn-ea"/>
+        <a:cs typeface="+mn-cs"/>
+      </a:defRPr>
+    </a:lvl4pPr>
+    <a:lvl5pPr marL="1828800" algn="l" defTabSz="914400" rtl="0" eaLnBrk="1" latinLnBrk="0" hangingPunct="1">
+      <a:defRPr sz="1200" kern="1200">
+        <a:solidFill>
+          <a:schemeClr val="tx1"/>
+        </a:solidFill>
+        <a:latin typeface="+mn-lt"/>
+        <a:ea typeface="+mn-ea"/>
+        <a:cs typeface="+mn-cs"/>
+      </a:defRPr>
+    </a:lvl5pPr>
+    <a:lvl6pPr marL="2286000" algn="l" defTabSz="914400" rtl="0" eaLnBrk="1" latinLnBrk="0" hangingPunct="1">
+      <a:defRPr sz="1200" kern="1200">
+        <a:solidFill>
+          <a:schemeClr val="tx1"/>
+        </a:solidFill>
+        <a:latin typeface="+mn-lt"/>
+        <a:ea typeface="+mn-ea"/>
+        <a:cs typeface="+mn-cs"/>
+      </a:defRPr>
+    </a:lvl6pPr>
+    <a:lvl7pPr marL="2743200" algn="l" defTabSz="914400" rtl="0" eaLnBrk="1" latinLnBrk="0" hangingPunct="1">
+      <a:defRPr sz="1200" kern="1200">
+        <a:solidFill>
+          <a:schemeClr val="tx1"/>
+        </a:solidFill>
+        <a:latin typeface="+mn-lt"/>
+        <a:ea typeface="+mn-ea"/>
+        <a:cs typeface="+mn-cs"/>
+      </a:defRPr>
+    </a:lvl7pPr>
+    <a:lvl8pPr marL="3200400" algn="l" defTabSz="914400" rtl="0" eaLnBrk="1" latinLnBrk="0" hangingPunct="1">
+      <a:defRPr sz="1200" kern="1200">
+        <a:solidFill>
+          <a:schemeClr val="tx1"/>
+        </a:solidFill>
+        <a:latin typeface="+mn-lt"/>
+        <a:ea typeface="+mn-ea"/>
+        <a:cs typeface="+mn-cs"/>
+      </a:defRPr>
+    </a:lvl8pPr>
+    <a:lvl9pPr marL="3657600" algn="l" defTabSz="914400" rtl="0" eaLnBrk="1" latinLnBrk="0" hangingPunct="1">
+      <a:defRPr sz="1200" kern="1200">
+        <a:solidFill>
+          <a:schemeClr val="tx1"/>
+        </a:solidFill>
+        <a:latin typeface="+mn-lt"/>
+        <a:ea typeface="+mn-ea"/>
+        <a:cs typeface="+mn-cs"/>
+      </a:defRPr>
+    </a:lvl9pPr>
+  </p:notesStyle>
+</p:notesMaster>
+</file>
+
+<file path=ppt/notesSlides/notesSlide1.xml><?xml version="1.0" encoding="utf-8"?>
+<p:notes xmlns:a="http://schemas.openxmlformats.org/drawingml/2006/main" xmlns:r="http://schemas.openxmlformats.org/officeDocument/2006/relationships" xmlns:p="http://schemas.openxmlformats.org/presentationml/2006/main">
+  <p:cSld>
+    <p:spTree>
+      <p:nvGrpSpPr>
+        <p:cNvPr id="1" name=""/>
+        <p:cNvGrpSpPr/>
+        <p:nvPr/>
+      </p:nvGrpSpPr>
+      <p:grpSpPr>
+        <a:xfrm>
+          <a:off x="0" y="0"/>
+          <a:ext cx="0" cy="0"/>
+          <a:chOff x="0" y="0"/>
+          <a:chExt cx="0" cy="0"/>
+        </a:xfrm>
+      </p:grpSpPr>
+      <p:sp>
+        <p:nvSpPr>
+          <p:cNvPr id="2" name="Slide Image Placeholder 1"/>
+          <p:cNvSpPr>
+            <a:spLocks noGrp="1" noRot="1" noChangeAspect="1"/>
+          </p:cNvSpPr>
+          <p:nvPr>
+            <p:ph type="sldImg"/>
+          </p:nvPr>
+        </p:nvSpPr>
+        <p:spPr/>
+      </p:sp>
+      <p:sp>
+        <p:nvSpPr>
+          <p:cNvPr id="3" name="Notes Placeholder 2"/>
+          <p:cNvSpPr>
+            <a:spLocks noGrp="1"/>
+          </p:cNvSpPr>
+          <p:nvPr>
+            <p:ph type="body" idx="1"/>
+          </p:nvPr>
+        </p:nvSpPr>
+        <p:spPr/>
+        <p:txBody>
+          <a:bodyPr/>
+          <a:lstStyle/>
+          <a:p>
+            <a:pPr marL="114300">
+              <a:spcAft>
+                <a:spcPts val="600"/>
+              </a:spcAft>
+            </a:pPr>
+            <a:r>
+              <a:rPr lang="en-US" sz="1200" dirty="0">
+                <a:solidFill>
+                  <a:srgbClr val="FFFFFF"/>
+                </a:solidFill>
+              </a:rPr>
+              <a:t>Even in the digital age, customers still use their signatures as a primary form of authentication for a range of transactions. </a:t>
+            </a:r>
+          </a:p>
+          <a:p>
+            <a:pPr marL="114300">
+              <a:lnSpc>
+                <a:spcPct val="90000"/>
+              </a:lnSpc>
+              <a:spcAft>
+                <a:spcPts val="600"/>
+              </a:spcAft>
+            </a:pPr>
+            <a:r>
+              <a:rPr lang="en-US" sz="1200" dirty="0">
+                <a:solidFill>
+                  <a:srgbClr val="FFFFFF"/>
+                </a:solidFill>
+              </a:rPr>
+              <a:t>To minimize the risk of fraud, financial institution needs the right solutions to detect forgeries quickly and accurately. Manual signature verification may let a skilled forgery slip through and you’re likely to suffer both financial and reputational losses.</a:t>
+            </a:r>
+          </a:p>
+        </p:txBody>
+      </p:sp>
+      <p:sp>
+        <p:nvSpPr>
+          <p:cNvPr id="4" name="Slide Number Placeholder 3"/>
+          <p:cNvSpPr>
+            <a:spLocks noGrp="1"/>
+          </p:cNvSpPr>
+          <p:nvPr>
+            <p:ph type="sldNum" sz="quarter" idx="5"/>
+          </p:nvPr>
+        </p:nvSpPr>
+        <p:spPr/>
+        <p:txBody>
+          <a:bodyPr/>
+          <a:lstStyle/>
+          <a:p>
+            <a:fld id="{15AE11E2-303B-4A99-A06F-B02CAF0F395E}" type="slidenum">
+              <a:rPr lang="en-IL" smtClean="0"/>
+              <a:t>2</a:t>
+            </a:fld>
+            <a:endParaRPr lang="en-IL"/>
+          </a:p>
+        </p:txBody>
+      </p:sp>
+    </p:spTree>
+    <p:extLst>
+      <p:ext uri="{BB962C8B-B14F-4D97-AF65-F5344CB8AC3E}">
+        <p14:creationId xmlns:p14="http://schemas.microsoft.com/office/powerpoint/2010/main" val="2297683452"/>
+      </p:ext>
+    </p:extLst>
+  </p:cSld>
+  <p:clrMapOvr>
+    <a:masterClrMapping/>
+  </p:clrMapOvr>
+</p:notes>
+</file>
+
 <file path=ppt/slideLayouts/slideLayout1.xml><?xml version="1.0" encoding="utf-8"?>
 <p:sldLayout xmlns:a="http://schemas.openxmlformats.org/drawingml/2006/main" xmlns:r="http://schemas.openxmlformats.org/officeDocument/2006/relationships" xmlns:p="http://schemas.openxmlformats.org/presentationml/2006/main" type="title" preserve="1">
   <p:cSld name="Title Slide">
@@ -267,7 +734,7 @@
           <a:p>
             <a:fld id="{886D7EF0-5ED4-41D7-95C0-C36EF810A11B}" type="datetimeFigureOut">
               <a:rPr lang="en-IL" smtClean="0"/>
-              <a:t>13/12/2021</a:t>
+              <a:t>14/12/2021</a:t>
             </a:fld>
             <a:endParaRPr lang="en-IL"/>
           </a:p>
@@ -467,7 +934,7 @@
           <a:p>
             <a:fld id="{886D7EF0-5ED4-41D7-95C0-C36EF810A11B}" type="datetimeFigureOut">
               <a:rPr lang="en-IL" smtClean="0"/>
-              <a:t>13/12/2021</a:t>
+              <a:t>14/12/2021</a:t>
             </a:fld>
             <a:endParaRPr lang="en-IL"/>
           </a:p>
@@ -677,7 +1144,7 @@
           <a:p>
             <a:fld id="{886D7EF0-5ED4-41D7-95C0-C36EF810A11B}" type="datetimeFigureOut">
               <a:rPr lang="en-IL" smtClean="0"/>
-              <a:t>13/12/2021</a:t>
+              <a:t>14/12/2021</a:t>
             </a:fld>
             <a:endParaRPr lang="en-IL"/>
           </a:p>
@@ -877,7 +1344,7 @@
           <a:p>
             <a:fld id="{886D7EF0-5ED4-41D7-95C0-C36EF810A11B}" type="datetimeFigureOut">
               <a:rPr lang="en-IL" smtClean="0"/>
-              <a:t>13/12/2021</a:t>
+              <a:t>14/12/2021</a:t>
             </a:fld>
             <a:endParaRPr lang="en-IL"/>
           </a:p>
@@ -1153,7 +1620,7 @@
           <a:p>
             <a:fld id="{886D7EF0-5ED4-41D7-95C0-C36EF810A11B}" type="datetimeFigureOut">
               <a:rPr lang="en-IL" smtClean="0"/>
-              <a:t>13/12/2021</a:t>
+              <a:t>14/12/2021</a:t>
             </a:fld>
             <a:endParaRPr lang="en-IL"/>
           </a:p>
@@ -1421,7 +1888,7 @@
           <a:p>
             <a:fld id="{886D7EF0-5ED4-41D7-95C0-C36EF810A11B}" type="datetimeFigureOut">
               <a:rPr lang="en-IL" smtClean="0"/>
-              <a:t>13/12/2021</a:t>
+              <a:t>14/12/2021</a:t>
             </a:fld>
             <a:endParaRPr lang="en-IL"/>
           </a:p>
@@ -1836,7 +2303,7 @@
           <a:p>
             <a:fld id="{886D7EF0-5ED4-41D7-95C0-C36EF810A11B}" type="datetimeFigureOut">
               <a:rPr lang="en-IL" smtClean="0"/>
-              <a:t>13/12/2021</a:t>
+              <a:t>14/12/2021</a:t>
             </a:fld>
             <a:endParaRPr lang="en-IL"/>
           </a:p>
@@ -1978,7 +2445,7 @@
           <a:p>
             <a:fld id="{886D7EF0-5ED4-41D7-95C0-C36EF810A11B}" type="datetimeFigureOut">
               <a:rPr lang="en-IL" smtClean="0"/>
-              <a:t>13/12/2021</a:t>
+              <a:t>14/12/2021</a:t>
             </a:fld>
             <a:endParaRPr lang="en-IL"/>
           </a:p>
@@ -2091,7 +2558,7 @@
           <a:p>
             <a:fld id="{886D7EF0-5ED4-41D7-95C0-C36EF810A11B}" type="datetimeFigureOut">
               <a:rPr lang="en-IL" smtClean="0"/>
-              <a:t>13/12/2021</a:t>
+              <a:t>14/12/2021</a:t>
             </a:fld>
             <a:endParaRPr lang="en-IL"/>
           </a:p>
@@ -2404,7 +2871,7 @@
           <a:p>
             <a:fld id="{886D7EF0-5ED4-41D7-95C0-C36EF810A11B}" type="datetimeFigureOut">
               <a:rPr lang="en-IL" smtClean="0"/>
-              <a:t>13/12/2021</a:t>
+              <a:t>14/12/2021</a:t>
             </a:fld>
             <a:endParaRPr lang="en-IL"/>
           </a:p>
@@ -2693,7 +3160,7 @@
           <a:p>
             <a:fld id="{886D7EF0-5ED4-41D7-95C0-C36EF810A11B}" type="datetimeFigureOut">
               <a:rPr lang="en-IL" smtClean="0"/>
-              <a:t>13/12/2021</a:t>
+              <a:t>14/12/2021</a:t>
             </a:fld>
             <a:endParaRPr lang="en-IL"/>
           </a:p>
@@ -2936,7 +3403,7 @@
           <a:p>
             <a:fld id="{886D7EF0-5ED4-41D7-95C0-C36EF810A11B}" type="datetimeFigureOut">
               <a:rPr lang="en-IL" smtClean="0"/>
-              <a:t>13/12/2021</a:t>
+              <a:t>14/12/2021</a:t>
             </a:fld>
             <a:endParaRPr lang="en-IL"/>
           </a:p>
@@ -3753,7 +4220,7 @@
           <p:nvPr/>
         </p:nvPicPr>
         <p:blipFill rotWithShape="1">
-          <a:blip r:embed="rId2">
+          <a:blip r:embed="rId3">
             <a:alphaModFix amt="20000"/>
             <a:extLst>
               <a:ext uri="{28A0092B-C50C-407E-A947-70E740481C1C}">
@@ -3829,13 +4296,28 @@
                 <a:spcPts val="600"/>
               </a:spcAft>
             </a:pPr>
-            <a:r>
-              <a:rPr lang="en-US" sz="2400" dirty="0">
+            <a:endParaRPr lang="en-US" sz="1400" dirty="0">
+              <a:solidFill>
+                <a:srgbClr val="FFFFFF"/>
+              </a:solidFill>
+            </a:endParaRPr>
+          </a:p>
+          <a:p>
+            <a:pPr>
+              <a:lnSpc>
+                <a:spcPct val="90000"/>
+              </a:lnSpc>
+              <a:spcAft>
+                <a:spcPts val="600"/>
+              </a:spcAft>
+            </a:pPr>
+            <a:r>
+              <a:rPr lang="en-US" sz="2800" dirty="0">
                 <a:solidFill>
                   <a:srgbClr val="FFFFFF"/>
                 </a:solidFill>
               </a:rPr>
-              <a:t>Can you tell which of these signature pairs is genuine???</a:t>
+              <a:t>Which pair is genuine???</a:t>
             </a:r>
           </a:p>
           <a:p>
@@ -3901,37 +4383,37 @@
             </a:endParaRPr>
           </a:p>
           <a:p>
-            <a:pPr marL="114300">
-              <a:spcAft>
-                <a:spcPts val="600"/>
-              </a:spcAft>
-            </a:pPr>
-            <a:r>
-              <a:rPr lang="en-US" sz="2400" dirty="0">
-                <a:solidFill>
-                  <a:srgbClr val="FFFFFF"/>
-                </a:solidFill>
-              </a:rPr>
-              <a:t>Even in the digital age, customers still use their signatures as a primary form of authentication for a range of transactions. </a:t>
-            </a:r>
-          </a:p>
-          <a:p>
-            <a:pPr marL="114300">
+            <a:pPr>
               <a:lnSpc>
-                <a:spcPct val="90000"/>
+                <a:spcPct val="150000"/>
               </a:lnSpc>
               <a:spcAft>
                 <a:spcPts val="600"/>
               </a:spcAft>
             </a:pPr>
             <a:r>
-              <a:rPr lang="en-US" sz="2400" dirty="0">
+              <a:rPr lang="en-US" sz="2800" dirty="0">
                 <a:solidFill>
                   <a:srgbClr val="FFFFFF"/>
                 </a:solidFill>
               </a:rPr>
-              <a:t>To minimize the risk of fraud, financial institution needs the right solutions to detect forgeries quickly and accurately. Manual signature verification may let a skilled forgery slip through and you’re likely to suffer both financial and reputational losses.</a:t>
-            </a:r>
+              <a:t>Manual signature verification is not easy!</a:t>
+            </a:r>
+          </a:p>
+          <a:p>
+            <a:pPr>
+              <a:lnSpc>
+                <a:spcPct val="150000"/>
+              </a:lnSpc>
+              <a:spcAft>
+                <a:spcPts val="600"/>
+              </a:spcAft>
+            </a:pPr>
+            <a:endParaRPr lang="en-US" sz="2400" dirty="0">
+              <a:solidFill>
+                <a:srgbClr val="FFFFFF"/>
+              </a:solidFill>
+            </a:endParaRPr>
           </a:p>
           <a:p>
             <a:pPr>
@@ -3968,7 +4450,22 @@
                   <a:srgbClr val="FFFFFF"/>
                 </a:solidFill>
               </a:rPr>
-              <a:t>Maximize forged signatures detection – meaning high Recall rate.</a:t>
+              <a:t>Maximize forged signatures detection using deep learning model.</a:t>
+            </a:r>
+            <a:br>
+              <a:rPr lang="en-US" sz="2400" dirty="0">
+                <a:solidFill>
+                  <a:srgbClr val="FFFFFF"/>
+                </a:solidFill>
+              </a:rPr>
+            </a:br>
+            <a:r>
+              <a:rPr lang="en-US" sz="2400" dirty="0">
+                <a:solidFill>
+                  <a:srgbClr val="FFFFFF"/>
+                </a:solidFill>
+              </a:rPr>
+              <a:t>    Model evaluation score would be high accuracy and Recall rates.</a:t>
             </a:r>
           </a:p>
           <a:p>
@@ -4026,13 +4523,13 @@
           <p:nvPr/>
         </p:nvPicPr>
         <p:blipFill rotWithShape="1">
-          <a:blip r:embed="rId3"/>
+          <a:blip r:embed="rId4"/>
           <a:srcRect l="264" t="2339" r="430"/>
           <a:stretch/>
         </p:blipFill>
         <p:spPr>
           <a:xfrm>
-            <a:off x="1248508" y="1125418"/>
+            <a:off x="1288700" y="1462042"/>
             <a:ext cx="9557238" cy="1459523"/>
           </a:xfrm>
           <a:prstGeom prst="rect">
@@ -4054,7 +4551,7 @@
         </p:nvSpPr>
         <p:spPr>
           <a:xfrm>
-            <a:off x="1248508" y="729770"/>
+            <a:off x="1288700" y="1075919"/>
             <a:ext cx="9557238" cy="369332"/>
           </a:xfrm>
           <a:prstGeom prst="rect">
@@ -4214,111 +4711,21 @@
                             </p:childTnLst>
                           </p:cTn>
                         </p:par>
-                      </p:childTnLst>
-                    </p:cTn>
-                  </p:par>
-                  <p:par>
-                    <p:cTn id="13" fill="hold">
-                      <p:stCondLst>
-                        <p:cond delay="indefinite"/>
-                      </p:stCondLst>
-                      <p:childTnLst>
                         <p:par>
-                          <p:cTn id="14" fill="hold">
+                          <p:cTn id="13" fill="hold">
                             <p:stCondLst>
-                              <p:cond delay="0"/>
+                              <p:cond delay="500"/>
                             </p:stCondLst>
                             <p:childTnLst>
                               <p:par>
-                                <p:cTn id="15" presetID="22" presetClass="entr" presetSubtype="8" fill="hold" grpId="0" nodeType="clickEffect">
+                                <p:cTn id="14" presetID="22" presetClass="entr" presetSubtype="1" fill="hold" nodeType="afterEffect">
                                   <p:stCondLst>
                                     <p:cond delay="0"/>
                                   </p:stCondLst>
                                   <p:childTnLst>
                                     <p:set>
                                       <p:cBhvr>
-                                        <p:cTn id="16" dur="1" fill="hold">
-                                          <p:stCondLst>
-                                            <p:cond delay="0"/>
-                                          </p:stCondLst>
-                                        </p:cTn>
-                                        <p:tgtEl>
-                                          <p:spTgt spid="15">
-                                            <p:txEl>
-                                              <p:pRg st="5" end="5"/>
-                                            </p:txEl>
-                                          </p:spTgt>
-                                        </p:tgtEl>
-                                        <p:attrNameLst>
-                                          <p:attrName>style.visibility</p:attrName>
-                                        </p:attrNameLst>
-                                      </p:cBhvr>
-                                      <p:to>
-                                        <p:strVal val="visible"/>
-                                      </p:to>
-                                    </p:set>
-                                    <p:animEffect transition="in" filter="wipe(left)">
-                                      <p:cBhvr>
-                                        <p:cTn id="17" dur="500"/>
-                                        <p:tgtEl>
-                                          <p:spTgt spid="15">
-                                            <p:txEl>
-                                              <p:pRg st="5" end="5"/>
-                                            </p:txEl>
-                                          </p:spTgt>
-                                        </p:tgtEl>
-                                      </p:cBhvr>
-                                    </p:animEffect>
-                                  </p:childTnLst>
-                                  <p:subTnLst>
-                                    <p:animClr clrSpc="rgb" dir="cw">
-                                      <p:cBhvr override="childStyle">
-                                        <p:cTn dur="1" fill="hold" display="0" masterRel="nextClick" afterEffect="1"/>
-                                        <p:tgtEl>
-                                          <p:spTgt spid="15">
-                                            <p:txEl>
-                                              <p:pRg st="5" end="5"/>
-                                            </p:txEl>
-                                          </p:spTgt>
-                                        </p:tgtEl>
-                                        <p:attrNameLst>
-                                          <p:attrName>ppt_c</p:attrName>
-                                        </p:attrNameLst>
-                                      </p:cBhvr>
-                                      <p:to>
-                                        <a:schemeClr val="tx1"/>
-                                      </p:to>
-                                    </p:animClr>
-                                  </p:subTnLst>
-                                </p:cTn>
-                              </p:par>
-                            </p:childTnLst>
-                          </p:cTn>
-                        </p:par>
-                      </p:childTnLst>
-                    </p:cTn>
-                  </p:par>
-                  <p:par>
-                    <p:cTn id="18" fill="hold">
-                      <p:stCondLst>
-                        <p:cond delay="indefinite"/>
-                      </p:stCondLst>
-                      <p:childTnLst>
-                        <p:par>
-                          <p:cTn id="19" fill="hold">
-                            <p:stCondLst>
-                              <p:cond delay="0"/>
-                            </p:stCondLst>
-                            <p:childTnLst>
-                              <p:par>
-                                <p:cTn id="20" presetID="22" presetClass="entr" presetSubtype="8" fill="hold" grpId="0" nodeType="clickEffect">
-                                  <p:stCondLst>
-                                    <p:cond delay="0"/>
-                                  </p:stCondLst>
-                                  <p:childTnLst>
-                                    <p:set>
-                                      <p:cBhvr>
-                                        <p:cTn id="21" dur="1" fill="hold">
+                                        <p:cTn id="15" dur="1" fill="hold">
                                           <p:stCondLst>
                                             <p:cond delay="0"/>
                                           </p:stCondLst>
@@ -4338,146 +4745,13 @@
                                         <p:strVal val="visible"/>
                                       </p:to>
                                     </p:set>
-                                    <p:animEffect transition="in" filter="wipe(left)">
-                                      <p:cBhvr>
-                                        <p:cTn id="22" dur="500"/>
+                                    <p:animEffect transition="in" filter="wipe(up)">
+                                      <p:cBhvr>
+                                        <p:cTn id="16" dur="500"/>
                                         <p:tgtEl>
                                           <p:spTgt spid="15">
                                             <p:txEl>
                                               <p:pRg st="6" end="6"/>
-                                            </p:txEl>
-                                          </p:spTgt>
-                                        </p:tgtEl>
-                                      </p:cBhvr>
-                                    </p:animEffect>
-                                  </p:childTnLst>
-                                  <p:subTnLst>
-                                    <p:animClr clrSpc="rgb" dir="cw">
-                                      <p:cBhvr override="childStyle">
-                                        <p:cTn dur="1" fill="hold" display="0" masterRel="nextClick" afterEffect="1"/>
-                                        <p:tgtEl>
-                                          <p:spTgt spid="15">
-                                            <p:txEl>
-                                              <p:pRg st="6" end="6"/>
-                                            </p:txEl>
-                                          </p:spTgt>
-                                        </p:tgtEl>
-                                        <p:attrNameLst>
-                                          <p:attrName>ppt_c</p:attrName>
-                                        </p:attrNameLst>
-                                      </p:cBhvr>
-                                      <p:to>
-                                        <a:schemeClr val="tx1"/>
-                                      </p:to>
-                                    </p:animClr>
-                                  </p:subTnLst>
-                                </p:cTn>
-                              </p:par>
-                            </p:childTnLst>
-                          </p:cTn>
-                        </p:par>
-                      </p:childTnLst>
-                    </p:cTn>
-                  </p:par>
-                  <p:par>
-                    <p:cTn id="23" fill="hold">
-                      <p:stCondLst>
-                        <p:cond delay="indefinite"/>
-                      </p:stCondLst>
-                      <p:childTnLst>
-                        <p:par>
-                          <p:cTn id="24" fill="hold">
-                            <p:stCondLst>
-                              <p:cond delay="0"/>
-                            </p:stCondLst>
-                            <p:childTnLst>
-                              <p:par>
-                                <p:cTn id="25" presetID="22" presetClass="entr" presetSubtype="8" fill="hold" grpId="0" nodeType="clickEffect">
-                                  <p:stCondLst>
-                                    <p:cond delay="0"/>
-                                  </p:stCondLst>
-                                  <p:childTnLst>
-                                    <p:set>
-                                      <p:cBhvr>
-                                        <p:cTn id="26" dur="1" fill="hold">
-                                          <p:stCondLst>
-                                            <p:cond delay="0"/>
-                                          </p:stCondLst>
-                                        </p:cTn>
-                                        <p:tgtEl>
-                                          <p:spTgt spid="15">
-                                            <p:txEl>
-                                              <p:pRg st="7" end="7"/>
-                                            </p:txEl>
-                                          </p:spTgt>
-                                        </p:tgtEl>
-                                        <p:attrNameLst>
-                                          <p:attrName>style.visibility</p:attrName>
-                                        </p:attrNameLst>
-                                      </p:cBhvr>
-                                      <p:to>
-                                        <p:strVal val="visible"/>
-                                      </p:to>
-                                    </p:set>
-                                    <p:animEffect transition="in" filter="wipe(left)">
-                                      <p:cBhvr>
-                                        <p:cTn id="27" dur="500"/>
-                                        <p:tgtEl>
-                                          <p:spTgt spid="15">
-                                            <p:txEl>
-                                              <p:pRg st="7" end="7"/>
-                                            </p:txEl>
-                                          </p:spTgt>
-                                        </p:tgtEl>
-                                      </p:cBhvr>
-                                    </p:animEffect>
-                                  </p:childTnLst>
-                                </p:cTn>
-                              </p:par>
-                            </p:childTnLst>
-                          </p:cTn>
-                        </p:par>
-                        <p:par>
-                          <p:cTn id="28" fill="hold">
-                            <p:stCondLst>
-                              <p:cond delay="500"/>
-                            </p:stCondLst>
-                            <p:childTnLst>
-                              <p:par>
-                                <p:cTn id="29" presetID="22" presetClass="entr" presetSubtype="8" fill="hold" grpId="0" nodeType="afterEffect">
-                                  <p:stCondLst>
-                                    <p:cond delay="0"/>
-                                  </p:stCondLst>
-                                  <p:childTnLst>
-                                    <p:set>
-                                      <p:cBhvr>
-                                        <p:cTn id="30" dur="1" fill="hold">
-                                          <p:stCondLst>
-                                            <p:cond delay="0"/>
-                                          </p:stCondLst>
-                                        </p:cTn>
-                                        <p:tgtEl>
-                                          <p:spTgt spid="15">
-                                            <p:txEl>
-                                              <p:pRg st="8" end="8"/>
-                                            </p:txEl>
-                                          </p:spTgt>
-                                        </p:tgtEl>
-                                        <p:attrNameLst>
-                                          <p:attrName>style.visibility</p:attrName>
-                                        </p:attrNameLst>
-                                      </p:cBhvr>
-                                      <p:to>
-                                        <p:strVal val="visible"/>
-                                      </p:to>
-                                    </p:set>
-                                    <p:animEffect transition="in" filter="wipe(left)">
-                                      <p:cBhvr>
-                                        <p:cTn id="31" dur="500"/>
-                                        <p:tgtEl>
-                                          <p:spTgt spid="15">
-                                            <p:txEl>
-                                              <p:pRg st="8" end="8"/>
                                             </p:txEl>
                                           </p:spTgt>
                                         </p:tgtEl>
@@ -4493,26 +4767,26 @@
                     </p:cTn>
                   </p:par>
                   <p:par>
-                    <p:cTn id="32" fill="hold">
+                    <p:cTn id="17" fill="hold">
                       <p:stCondLst>
                         <p:cond delay="indefinite"/>
                       </p:stCondLst>
                       <p:childTnLst>
                         <p:par>
-                          <p:cTn id="33" fill="hold">
+                          <p:cTn id="18" fill="hold">
                             <p:stCondLst>
                               <p:cond delay="0"/>
                             </p:stCondLst>
                             <p:childTnLst>
                               <p:par>
-                                <p:cTn id="34" presetID="22" presetClass="entr" presetSubtype="8" fill="hold" grpId="0" nodeType="clickEffect">
+                                <p:cTn id="19" presetID="22" presetClass="entr" presetSubtype="8" fill="hold" grpId="0" nodeType="clickEffect">
                                   <p:stCondLst>
                                     <p:cond delay="0"/>
                                   </p:stCondLst>
                                   <p:childTnLst>
                                     <p:set>
                                       <p:cBhvr>
-                                        <p:cTn id="35" dur="1" fill="hold">
+                                        <p:cTn id="20" dur="1" fill="hold">
                                           <p:stCondLst>
                                             <p:cond delay="0"/>
                                           </p:stCondLst>
@@ -4520,7 +4794,7 @@
                                         <p:tgtEl>
                                           <p:spTgt spid="15">
                                             <p:txEl>
-                                              <p:pRg st="9" end="9"/>
+                                              <p:pRg st="8" end="8"/>
                                             </p:txEl>
                                           </p:spTgt>
                                         </p:tgtEl>
@@ -4534,11 +4808,11 @@
                                     </p:set>
                                     <p:animEffect transition="in" filter="wipe(left)">
                                       <p:cBhvr>
-                                        <p:cTn id="36" dur="500"/>
+                                        <p:cTn id="21" dur="500"/>
                                         <p:tgtEl>
                                           <p:spTgt spid="15">
                                             <p:txEl>
-                                              <p:pRg st="9" end="9"/>
+                                              <p:pRg st="8" end="8"/>
                                             </p:txEl>
                                           </p:spTgt>
                                         </p:tgtEl>
@@ -4551,20 +4825,81 @@
                           </p:cTn>
                         </p:par>
                         <p:par>
-                          <p:cTn id="37" fill="hold">
+                          <p:cTn id="22" fill="hold">
                             <p:stCondLst>
                               <p:cond delay="500"/>
                             </p:stCondLst>
                             <p:childTnLst>
                               <p:par>
-                                <p:cTn id="38" presetID="22" presetClass="entr" presetSubtype="8" fill="hold" grpId="0" nodeType="afterEffect">
+                                <p:cTn id="23" presetID="22" presetClass="entr" presetSubtype="8" fill="hold" grpId="0" nodeType="afterEffect">
                                   <p:stCondLst>
                                     <p:cond delay="0"/>
                                   </p:stCondLst>
                                   <p:childTnLst>
                                     <p:set>
                                       <p:cBhvr>
-                                        <p:cTn id="39" dur="1" fill="hold">
+                                        <p:cTn id="24" dur="1" fill="hold">
+                                          <p:stCondLst>
+                                            <p:cond delay="0"/>
+                                          </p:stCondLst>
+                                        </p:cTn>
+                                        <p:tgtEl>
+                                          <p:spTgt spid="15">
+                                            <p:txEl>
+                                              <p:pRg st="9" end="9"/>
+                                            </p:txEl>
+                                          </p:spTgt>
+                                        </p:tgtEl>
+                                        <p:attrNameLst>
+                                          <p:attrName>style.visibility</p:attrName>
+                                        </p:attrNameLst>
+                                      </p:cBhvr>
+                                      <p:to>
+                                        <p:strVal val="visible"/>
+                                      </p:to>
+                                    </p:set>
+                                    <p:animEffect transition="in" filter="wipe(left)">
+                                      <p:cBhvr>
+                                        <p:cTn id="25" dur="500"/>
+                                        <p:tgtEl>
+                                          <p:spTgt spid="15">
+                                            <p:txEl>
+                                              <p:pRg st="9" end="9"/>
+                                            </p:txEl>
+                                          </p:spTgt>
+                                        </p:tgtEl>
+                                      </p:cBhvr>
+                                    </p:animEffect>
+                                  </p:childTnLst>
+                                </p:cTn>
+                              </p:par>
+                            </p:childTnLst>
+                          </p:cTn>
+                        </p:par>
+                      </p:childTnLst>
+                    </p:cTn>
+                  </p:par>
+                  <p:par>
+                    <p:cTn id="26" fill="hold">
+                      <p:stCondLst>
+                        <p:cond delay="indefinite"/>
+                      </p:stCondLst>
+                      <p:childTnLst>
+                        <p:par>
+                          <p:cTn id="27" fill="hold">
+                            <p:stCondLst>
+                              <p:cond delay="0"/>
+                            </p:stCondLst>
+                            <p:childTnLst>
+                              <p:par>
+                                <p:cTn id="28" presetID="22" presetClass="entr" presetSubtype="8" fill="hold" grpId="0" nodeType="clickEffect">
+                                  <p:stCondLst>
+                                    <p:cond delay="0"/>
+                                  </p:stCondLst>
+                                  <p:childTnLst>
+                                    <p:set>
+                                      <p:cBhvr>
+                                        <p:cTn id="29" dur="1" fill="hold">
                                           <p:stCondLst>
                                             <p:cond delay="0"/>
                                           </p:stCondLst>
@@ -4586,11 +4921,63 @@
                                     </p:set>
                                     <p:animEffect transition="in" filter="wipe(left)">
                                       <p:cBhvr>
-                                        <p:cTn id="40" dur="500"/>
+                                        <p:cTn id="30" dur="500"/>
                                         <p:tgtEl>
                                           <p:spTgt spid="15">
                                             <p:txEl>
                                               <p:pRg st="10" end="10"/>
+                                            </p:txEl>
+                                          </p:spTgt>
+                                        </p:tgtEl>
+                                      </p:cBhvr>
+                                    </p:animEffect>
+                                  </p:childTnLst>
+                                </p:cTn>
+                              </p:par>
+                            </p:childTnLst>
+                          </p:cTn>
+                        </p:par>
+                        <p:par>
+                          <p:cTn id="31" fill="hold">
+                            <p:stCondLst>
+                              <p:cond delay="500"/>
+                            </p:stCondLst>
+                            <p:childTnLst>
+                              <p:par>
+                                <p:cTn id="32" presetID="22" presetClass="entr" presetSubtype="8" fill="hold" grpId="0" nodeType="afterEffect">
+                                  <p:stCondLst>
+                                    <p:cond delay="0"/>
+                                  </p:stCondLst>
+                                  <p:childTnLst>
+                                    <p:set>
+                                      <p:cBhvr>
+                                        <p:cTn id="33" dur="1" fill="hold">
+                                          <p:stCondLst>
+                                            <p:cond delay="0"/>
+                                          </p:stCondLst>
+                                        </p:cTn>
+                                        <p:tgtEl>
+                                          <p:spTgt spid="15">
+                                            <p:txEl>
+                                              <p:pRg st="11" end="11"/>
+                                            </p:txEl>
+                                          </p:spTgt>
+                                        </p:tgtEl>
+                                        <p:attrNameLst>
+                                          <p:attrName>style.visibility</p:attrName>
+                                        </p:attrNameLst>
+                                      </p:cBhvr>
+                                      <p:to>
+                                        <p:strVal val="visible"/>
+                                      </p:to>
+                                    </p:set>
+                                    <p:animEffect transition="in" filter="wipe(left)">
+                                      <p:cBhvr>
+                                        <p:cTn id="34" dur="500"/>
+                                        <p:tgtEl>
+                                          <p:spTgt spid="15">
+                                            <p:txEl>
+                                              <p:pRg st="11" end="11"/>
                                             </p:txEl>
                                           </p:spTgt>
                                         </p:tgtEl>
@@ -10356,4 +10743,299 @@
     </a:ext>
   </a:extLst>
 </a:theme>
+</file>
+
+<file path=ppt/theme/theme2.xml><?xml version="1.0" encoding="utf-8"?>
+<a:theme xmlns:a="http://schemas.openxmlformats.org/drawingml/2006/main" name="Office Theme">
+  <a:themeElements>
+    <a:clrScheme name="Office">
+      <a:dk1>
+        <a:sysClr val="windowText" lastClr="000000"/>
+      </a:dk1>
+      <a:lt1>
+        <a:sysClr val="window" lastClr="FFFFFF"/>
+      </a:lt1>
+      <a:dk2>
+        <a:srgbClr val="44546A"/>
+      </a:dk2>
+      <a:lt2>
+        <a:srgbClr val="E7E6E6"/>
+      </a:lt2>
+      <a:accent1>
+        <a:srgbClr val="4472C4"/>
+      </a:accent1>
+      <a:accent2>
+        <a:srgbClr val="ED7D31"/>
+      </a:accent2>
+      <a:accent3>
+        <a:srgbClr val="A5A5A5"/>
+      </a:accent3>
+      <a:accent4>
+        <a:srgbClr val="FFC000"/>
+      </a:accent4>
+      <a:accent5>
+        <a:srgbClr val="5B9BD5"/>
+      </a:accent5>
+      <a:accent6>
+        <a:srgbClr val="70AD47"/>
+      </a:accent6>
+      <a:hlink>
+        <a:srgbClr val="0563C1"/>
+      </a:hlink>
+      <a:folHlink>
+        <a:srgbClr val="954F72"/>
+      </a:folHlink>
+    </a:clrScheme>
+    <a:fontScheme name="Office">
+      <a:majorFont>
+        <a:latin typeface="Calibri Light" panose="020F0302020204030204"/>
+        <a:ea typeface=""/>
+        <a:cs typeface=""/>
+        <a:font script="Jpan" typeface="游ゴシック Light"/>
+        <a:font script="Hang" typeface="맑은 고딕"/>
+        <a:font script="Hans" typeface="等线 Light"/>
+        <a:font script="Hant" typeface="新細明體"/>
+        <a:font script="Arab" typeface="Times New Roman"/>
+        <a:font script="Hebr" typeface="Times New Roman"/>
+        <a:font script="Thai" typeface="Angsana New"/>
+        <a:font script="Ethi" typeface="Nyala"/>
+        <a:font script="Beng" typeface="Vrinda"/>
+        <a:font script="Gujr" typeface="Shruti"/>
+        <a:font script="Khmr" typeface="MoolBoran"/>
+        <a:font script="Knda" typeface="Tunga"/>
+        <a:font script="Guru" typeface="Raavi"/>
+        <a:font script="Cans" typeface="Euphemia"/>
+        <a:font script="Cher" typeface="Plantagenet Cherokee"/>
+        <a:font script="Yiii" typeface="Microsoft Yi Baiti"/>
+        <a:font script="Tibt" typeface="Microsoft Himalaya"/>
+        <a:font script="Thaa" typeface="MV Boli"/>
+        <a:font script="Deva" typeface="Mangal"/>
+        <a:font script="Telu" typeface="Gautami"/>
+        <a:font script="Taml" typeface="Latha"/>
+        <a:font script="Syrc" typeface="Estrangelo Edessa"/>
+        <a:font script="Orya" typeface="Kalinga"/>
+        <a:font script="Mlym" typeface="Kartika"/>
+        <a:font script="Laoo" typeface="DokChampa"/>
+        <a:font script="Sinh" typeface="Iskoola Pota"/>
+        <a:font script="Mong" typeface="Mongolian Baiti"/>
+        <a:font script="Viet" typeface="Times New Roman"/>
+        <a:font script="Uigh" typeface="Microsoft Uighur"/>
+        <a:font script="Geor" typeface="Sylfaen"/>
+        <a:font script="Armn" typeface="Arial"/>
+        <a:font script="Bugi" typeface="Leelawadee UI"/>
+        <a:font script="Bopo" typeface="Microsoft JhengHei"/>
+        <a:font script="Java" typeface="Javanese Text"/>
+        <a:font script="Lisu" typeface="Segoe UI"/>
+        <a:font script="Mymr" typeface="Myanmar Text"/>
+        <a:font script="Nkoo" typeface="Ebrima"/>
+        <a:font script="Olck" typeface="Nirmala UI"/>
+        <a:font script="Osma" typeface="Ebrima"/>
+        <a:font script="Phag" typeface="Phagspa"/>
+        <a:font script="Syrn" typeface="Estrangelo Edessa"/>
+        <a:font script="Syrj" typeface="Estrangelo Edessa"/>
+        <a:font script="Syre" typeface="Estrangelo Edessa"/>
+        <a:font script="Sora" typeface="Nirmala UI"/>
+        <a:font script="Tale" typeface="Microsoft Tai Le"/>
+        <a:font script="Talu" typeface="Microsoft New Tai Lue"/>
+        <a:font script="Tfng" typeface="Ebrima"/>
+      </a:majorFont>
+      <a:minorFont>
+        <a:latin typeface="Calibri" panose="020F0502020204030204"/>
+        <a:ea typeface=""/>
+        <a:cs typeface=""/>
+        <a:font script="Jpan" typeface="游ゴシック"/>
+        <a:font script="Hang" typeface="맑은 고딕"/>
+        <a:font script="Hans" typeface="等线"/>
+        <a:font script="Hant" typeface="新細明體"/>
+        <a:font script="Arab" typeface="Arial"/>
+        <a:font script="Hebr" typeface="Arial"/>
+        <a:font script="Thai" typeface="Cordia New"/>
+        <a:font script="Ethi" typeface="Nyala"/>
+        <a:font script="Beng" typeface="Vrinda"/>
+        <a:font script="Gujr" typeface="Shruti"/>
+        <a:font script="Khmr" typeface="DaunPenh"/>
+        <a:font script="Knda" typeface="Tunga"/>
+        <a:font script="Guru" typeface="Raavi"/>
+        <a:font script="Cans" typeface="Euphemia"/>
+        <a:font script="Cher" typeface="Plantagenet Cherokee"/>
+        <a:font script="Yiii" typeface="Microsoft Yi Baiti"/>
+        <a:font script="Tibt" typeface="Microsoft Himalaya"/>
+        <a:font script="Thaa" typeface="MV Boli"/>
+        <a:font script="Deva" typeface="Mangal"/>
+        <a:font script="Telu" typeface="Gautami"/>
+        <a:font script="Taml" typeface="Latha"/>
+        <a:font script="Syrc" typeface="Estrangelo Edessa"/>
+        <a:font script="Orya" typeface="Kalinga"/>
+        <a:font script="Mlym" typeface="Kartika"/>
+        <a:font script="Laoo" typeface="DokChampa"/>
+        <a:font script="Sinh" typeface="Iskoola Pota"/>
+        <a:font script="Mong" typeface="Mongolian Baiti"/>
+        <a:font script="Viet" typeface="Arial"/>
+        <a:font script="Uigh" typeface="Microsoft Uighur"/>
+        <a:font script="Geor" typeface="Sylfaen"/>
+        <a:font script="Armn" typeface="Arial"/>
+        <a:font script="Bugi" typeface="Leelawadee UI"/>
+        <a:font script="Bopo" typeface="Microsoft JhengHei"/>
+        <a:font script="Java" typeface="Javanese Text"/>
+        <a:font script="Lisu" typeface="Segoe UI"/>
+        <a:font script="Mymr" typeface="Myanmar Text"/>
+        <a:font script="Nkoo" typeface="Ebrima"/>
+        <a:font script="Olck" typeface="Nirmala UI"/>
+        <a:font script="Osma" typeface="Ebrima"/>
+        <a:font script="Phag" typeface="Phagspa"/>
+        <a:font script="Syrn" typeface="Estrangelo Edessa"/>
+        <a:font script="Syrj" typeface="Estrangelo Edessa"/>
+        <a:font script="Syre" typeface="Estrangelo Edessa"/>
+        <a:font script="Sora" typeface="Nirmala UI"/>
+        <a:font script="Tale" typeface="Microsoft Tai Le"/>
+        <a:font script="Talu" typeface="Microsoft New Tai Lue"/>
+        <a:font script="Tfng" typeface="Ebrima"/>
+      </a:minorFont>
+    </a:fontScheme>
+    <a:fmtScheme name="Office">
+      <a:fillStyleLst>
+        <a:solidFill>
+          <a:schemeClr val="phClr"/>
+        </a:solidFill>
+        <a:gradFill rotWithShape="1">
+          <a:gsLst>
+            <a:gs pos="0">
+              <a:schemeClr val="phClr">
+                <a:lumMod val="110000"/>
+                <a:satMod val="105000"/>
+                <a:tint val="67000"/>
+              </a:schemeClr>
+            </a:gs>
+            <a:gs pos="50000">
+              <a:schemeClr val="phClr">
+                <a:lumMod val="105000"/>
+                <a:satMod val="103000"/>
+                <a:tint val="73000"/>
+              </a:schemeClr>
+            </a:gs>
+            <a:gs pos="100000">
+              <a:schemeClr val="phClr">
+                <a:lumMod val="105000"/>
+                <a:satMod val="109000"/>
+                <a:tint val="81000"/>
+              </a:schemeClr>
+            </a:gs>
+          </a:gsLst>
+          <a:lin ang="5400000" scaled="0"/>
+        </a:gradFill>
+        <a:gradFill rotWithShape="1">
+          <a:gsLst>
+            <a:gs pos="0">
+              <a:schemeClr val="phClr">
+                <a:satMod val="103000"/>
+                <a:lumMod val="102000"/>
+                <a:tint val="94000"/>
+              </a:schemeClr>
+            </a:gs>
+            <a:gs pos="50000">
+              <a:schemeClr val="phClr">
+                <a:satMod val="110000"/>
+                <a:lumMod val="100000"/>
+                <a:shade val="100000"/>
+              </a:schemeClr>
+            </a:gs>
+            <a:gs pos="100000">
+              <a:schemeClr val="phClr">
+                <a:lumMod val="99000"/>
+                <a:satMod val="120000"/>
+                <a:shade val="78000"/>
+              </a:schemeClr>
+            </a:gs>
+          </a:gsLst>
+          <a:lin ang="5400000" scaled="0"/>
+        </a:gradFill>
+      </a:fillStyleLst>
+      <a:lnStyleLst>
+        <a:ln w="6350" cap="flat" cmpd="sng" algn="ctr">
+          <a:solidFill>
+            <a:schemeClr val="phClr"/>
+          </a:solidFill>
+          <a:prstDash val="solid"/>
+          <a:miter lim="800000"/>
+        </a:ln>
+        <a:ln w="12700" cap="flat" cmpd="sng" algn="ctr">
+          <a:solidFill>
+            <a:schemeClr val="phClr"/>
+          </a:solidFill>
+          <a:prstDash val="solid"/>
+          <a:miter lim="800000"/>
+        </a:ln>
+        <a:ln w="19050" cap="flat" cmpd="sng" algn="ctr">
+          <a:solidFill>
+            <a:schemeClr val="phClr"/>
+          </a:solidFill>
+          <a:prstDash val="solid"/>
+          <a:miter lim="800000"/>
+        </a:ln>
+      </a:lnStyleLst>
+      <a:effectStyleLst>
+        <a:effectStyle>
+          <a:effectLst/>
+        </a:effectStyle>
+        <a:effectStyle>
+          <a:effectLst/>
+        </a:effectStyle>
+        <a:effectStyle>
+          <a:effectLst>
+            <a:outerShdw blurRad="57150" dist="19050" dir="5400000" algn="ctr" rotWithShape="0">
+              <a:srgbClr val="000000">
+                <a:alpha val="63000"/>
+              </a:srgbClr>
+            </a:outerShdw>
+          </a:effectLst>
+        </a:effectStyle>
+      </a:effectStyleLst>
+      <a:bgFillStyleLst>
+        <a:solidFill>
+          <a:schemeClr val="phClr"/>
+        </a:solidFill>
+        <a:solidFill>
+          <a:schemeClr val="phClr">
+            <a:tint val="95000"/>
+            <a:satMod val="170000"/>
+          </a:schemeClr>
+        </a:solidFill>
+        <a:gradFill rotWithShape="1">
+          <a:gsLst>
+            <a:gs pos="0">
+              <a:schemeClr val="phClr">
+                <a:tint val="93000"/>
+                <a:satMod val="150000"/>
+                <a:shade val="98000"/>
+                <a:lumMod val="102000"/>
+              </a:schemeClr>
+            </a:gs>
+            <a:gs pos="50000">
+              <a:schemeClr val="phClr">
+                <a:tint val="98000"/>
+                <a:satMod val="130000"/>
+                <a:shade val="90000"/>
+                <a:lumMod val="103000"/>
+              </a:schemeClr>
+            </a:gs>
+            <a:gs pos="100000">
+              <a:schemeClr val="phClr">
+                <a:shade val="63000"/>
+                <a:satMod val="120000"/>
+              </a:schemeClr>
+            </a:gs>
+          </a:gsLst>
+          <a:lin ang="5400000" scaled="0"/>
+        </a:gradFill>
+      </a:bgFillStyleLst>
+    </a:fmtScheme>
+  </a:themeElements>
+  <a:objectDefaults/>
+  <a:extraClrSchemeLst/>
+  <a:extLst>
+    <a:ext uri="{05A4C25C-085E-4340-85A3-A5531E510DB2}">
+      <thm15:themeFamily xmlns:thm15="http://schemas.microsoft.com/office/thememl/2012/main" name="Office Theme" id="{62F939B6-93AF-4DB8-9C6B-D6C7DFDC589F}" vid="{4A3C46E8-61CC-4603-A589-7422A47A8E4A}"/>
+    </a:ext>
+  </a:extLst>
+</a:theme>
 </file>